--- a/assets/mind-mapping-your-pedagogy.pptx
+++ b/assets/mind-mapping-your-pedagogy.pptx
@@ -5,7 +5,7 @@
     <p:sldMasterId id="2147483659" r:id="rId1"/>
   </p:sldMasterIdLst>
   <p:notesMasterIdLst>
-    <p:notesMasterId r:id="rId16"/>
+    <p:notesMasterId r:id="rId17"/>
   </p:notesMasterIdLst>
   <p:sldIdLst>
     <p:sldId id="256" r:id="rId2"/>
@@ -18,27 +18,28 @@
     <p:sldId id="264" r:id="rId9"/>
     <p:sldId id="265" r:id="rId10"/>
     <p:sldId id="266" r:id="rId11"/>
-    <p:sldId id="278" r:id="rId12"/>
-    <p:sldId id="267" r:id="rId13"/>
-    <p:sldId id="274" r:id="rId14"/>
-    <p:sldId id="276" r:id="rId15"/>
+    <p:sldId id="279" r:id="rId12"/>
+    <p:sldId id="278" r:id="rId13"/>
+    <p:sldId id="267" r:id="rId14"/>
+    <p:sldId id="274" r:id="rId15"/>
+    <p:sldId id="276" r:id="rId16"/>
   </p:sldIdLst>
   <p:sldSz cx="9144000" cy="5143500" type="screen16x9"/>
   <p:notesSz cx="6858000" cy="9144000"/>
   <p:embeddedFontLst>
     <p:embeddedFont>
-      <p:font typeface="Lato" panose="020F0502020204030203" pitchFamily="34" charset="77"/>
-      <p:regular r:id="rId17"/>
-      <p:bold r:id="rId18"/>
-      <p:italic r:id="rId19"/>
-      <p:boldItalic r:id="rId20"/>
+      <p:font typeface="Lato" panose="020F0502020204030203" pitchFamily="34" charset="0"/>
+      <p:regular r:id="rId18"/>
+      <p:bold r:id="rId19"/>
+      <p:italic r:id="rId20"/>
+      <p:boldItalic r:id="rId21"/>
     </p:embeddedFont>
     <p:embeddedFont>
-      <p:font typeface="Raleway" panose="020B0503030101060003" pitchFamily="34" charset="77"/>
-      <p:regular r:id="rId21"/>
-      <p:bold r:id="rId22"/>
-      <p:italic r:id="rId23"/>
-      <p:boldItalic r:id="rId24"/>
+      <p:font typeface="Raleway" pitchFamily="2" charset="77"/>
+      <p:regular r:id="rId22"/>
+      <p:bold r:id="rId23"/>
+      <p:italic r:id="rId24"/>
+      <p:boldItalic r:id="rId25"/>
     </p:embeddedFont>
   </p:embeddedFontLst>
   <p:defaultTextStyle>
@@ -1624,10 +1625,10 @@
               <a:buAutoNum type="arabicPeriod"/>
             </a:pPr>
             <a:r>
-              <a:rPr lang="en"/>
+              <a:rPr lang="en" dirty="0"/>
               <a:t>Teaching can feel broad and difficult to figure out how to articulate your feelings about it. We’ll talk about a variety of methods for doing so today. Goal is to get you thinking about what you’re doing and recognizing that these are all conscious choices.</a:t>
             </a:r>
-            <a:endParaRPr/>
+            <a:endParaRPr dirty="0"/>
           </a:p>
         </p:txBody>
       </p:sp>
@@ -9106,27 +9107,27 @@
               <a:buNone/>
             </a:pPr>
             <a:br>
-              <a:rPr lang="en-US" sz="3500"/>
+              <a:rPr lang="en-US" sz="3500" dirty="0"/>
             </a:br>
             <a:r>
-              <a:rPr lang="en-US" sz="3500"/>
+              <a:rPr lang="en-US" sz="3500" dirty="0"/>
               <a:t>Mind Mapping Your</a:t>
             </a:r>
             <a:br>
-              <a:rPr lang="en-US" sz="3500"/>
+              <a:rPr lang="en-US" sz="3500" dirty="0"/>
             </a:br>
             <a:r>
-              <a:rPr lang="en-US" sz="3500"/>
+              <a:rPr lang="en-US" sz="3500" dirty="0"/>
               <a:t>(Digital)</a:t>
             </a:r>
             <a:br>
-              <a:rPr lang="en-US" sz="3500"/>
+              <a:rPr lang="en-US" sz="3500" dirty="0"/>
             </a:br>
             <a:r>
-              <a:rPr lang="en-US" sz="3500"/>
+              <a:rPr lang="en-US" sz="3500" dirty="0"/>
               <a:t>Pedagogy</a:t>
             </a:r>
-            <a:endParaRPr sz="3500"/>
+            <a:endParaRPr sz="3500" dirty="0"/>
           </a:p>
         </p:txBody>
       </p:sp>
@@ -9232,10 +9233,9 @@
               <a:buNone/>
             </a:pPr>
             <a:r>
-              <a:rPr lang="en" sz="1600"/>
+              <a:rPr lang="en" sz="1600" dirty="0"/>
               <a:t>Generating your starting word:</a:t>
             </a:r>
-            <a:endParaRPr sz="1600"/>
           </a:p>
           <a:p>
             <a:pPr marL="457200" lvl="0" indent="-330200" algn="l" rtl="0">
@@ -9249,10 +9249,10 @@
               <a:buChar char="●"/>
             </a:pPr>
             <a:r>
-              <a:rPr lang="en" sz="1600"/>
-              <a:t>What is about teaching that excites you?</a:t>
+              <a:rPr lang="en" sz="1600" dirty="0"/>
+              <a:t>What excites you about teaching?</a:t>
             </a:r>
-            <a:endParaRPr sz="1600"/>
+            <a:endParaRPr sz="1600" dirty="0"/>
           </a:p>
           <a:p>
             <a:pPr marL="457200" lvl="0" indent="-330200" algn="l" rtl="0">
@@ -9266,10 +9266,10 @@
               <a:buChar char="●"/>
             </a:pPr>
             <a:r>
-              <a:rPr lang="en" sz="1600"/>
+              <a:rPr lang="en" sz="1600" dirty="0"/>
               <a:t>What matters about teaching well?</a:t>
             </a:r>
-            <a:endParaRPr sz="1600"/>
+            <a:endParaRPr sz="1600" dirty="0"/>
           </a:p>
           <a:p>
             <a:pPr marL="457200" lvl="0" indent="-330200" algn="l" rtl="0">
@@ -9283,60 +9283,9 @@
               <a:buChar char="●"/>
             </a:pPr>
             <a:r>
-              <a:rPr lang="en" sz="1600"/>
+              <a:rPr lang="en" sz="1600" dirty="0"/>
               <a:t>What is teaching?</a:t>
             </a:r>
-            <a:endParaRPr sz="1600"/>
-          </a:p>
-          <a:p>
-            <a:pPr marL="457200" lvl="0" indent="-330200" algn="l" rtl="0">
-              <a:spcBef>
-                <a:spcPts val="0"/>
-              </a:spcBef>
-              <a:spcAft>
-                <a:spcPts val="0"/>
-              </a:spcAft>
-              <a:buSzPts val="1600"/>
-              <a:buChar char="●"/>
-            </a:pPr>
-            <a:r>
-              <a:rPr lang="en" sz="1600"/>
-              <a:t>What about digital humanities teaching?</a:t>
-            </a:r>
-            <a:endParaRPr sz="1600"/>
-          </a:p>
-          <a:p>
-            <a:pPr marL="457200" lvl="0" indent="-330200" algn="l" rtl="0">
-              <a:spcBef>
-                <a:spcPts val="0"/>
-              </a:spcBef>
-              <a:spcAft>
-                <a:spcPts val="0"/>
-              </a:spcAft>
-              <a:buSzPts val="1600"/>
-              <a:buChar char="●"/>
-            </a:pPr>
-            <a:r>
-              <a:rPr lang="en" sz="1600"/>
-              <a:t>What makes your classroom an explicitly DH one?</a:t>
-            </a:r>
-          </a:p>
-          <a:p>
-            <a:pPr marL="457200" lvl="0" indent="-330200" algn="l" rtl="0">
-              <a:spcBef>
-                <a:spcPts val="0"/>
-              </a:spcBef>
-              <a:spcAft>
-                <a:spcPts val="0"/>
-              </a:spcAft>
-              <a:buSzPts val="1600"/>
-              <a:buChar char="●"/>
-            </a:pPr>
-            <a:r>
-              <a:rPr lang="en" sz="1600"/>
-              <a:t>What has been something especially meaningful to you about the DH teaching you've experienced so far?</a:t>
-            </a:r>
-            <a:endParaRPr sz="1600"/>
           </a:p>
         </p:txBody>
       </p:sp>
@@ -9349,6 +9298,119 @@
 </file>
 
 <file path=ppt/slides/slide11.xml><?xml version="1.0" encoding="utf-8"?>
+<p:sld xmlns:a="http://schemas.openxmlformats.org/drawingml/2006/main" xmlns:r="http://schemas.openxmlformats.org/officeDocument/2006/relationships" xmlns:p="http://schemas.openxmlformats.org/presentationml/2006/main">
+  <p:cSld>
+    <p:spTree>
+      <p:nvGrpSpPr>
+        <p:cNvPr id="1" name=""/>
+        <p:cNvGrpSpPr/>
+        <p:nvPr/>
+      </p:nvGrpSpPr>
+      <p:grpSpPr>
+        <a:xfrm>
+          <a:off x="0" y="0"/>
+          <a:ext cx="0" cy="0"/>
+          <a:chOff x="0" y="0"/>
+          <a:chExt cx="0" cy="0"/>
+        </a:xfrm>
+      </p:grpSpPr>
+      <p:sp>
+        <p:nvSpPr>
+          <p:cNvPr id="2" name="Title 1">
+            <a:extLst>
+              <a:ext uri="{FF2B5EF4-FFF2-40B4-BE49-F238E27FC236}">
+                <a16:creationId xmlns:a16="http://schemas.microsoft.com/office/drawing/2014/main" id="{46B839BD-096A-D24A-ABDB-7F5684B79C47}"/>
+              </a:ext>
+            </a:extLst>
+          </p:cNvPr>
+          <p:cNvSpPr>
+            <a:spLocks noGrp="1"/>
+          </p:cNvSpPr>
+          <p:nvPr>
+            <p:ph type="title"/>
+          </p:nvPr>
+        </p:nvSpPr>
+        <p:spPr/>
+        <p:txBody>
+          <a:bodyPr/>
+          <a:lstStyle/>
+          <a:p>
+            <a:r>
+              <a:rPr lang="en-US" dirty="0"/>
+              <a:t>Making it DH</a:t>
+            </a:r>
+          </a:p>
+        </p:txBody>
+      </p:sp>
+      <p:sp>
+        <p:nvSpPr>
+          <p:cNvPr id="3" name="Text Placeholder 2">
+            <a:extLst>
+              <a:ext uri="{FF2B5EF4-FFF2-40B4-BE49-F238E27FC236}">
+                <a16:creationId xmlns:a16="http://schemas.microsoft.com/office/drawing/2014/main" id="{FB62E280-AC60-404D-A6E5-B113F27F07B1}"/>
+              </a:ext>
+            </a:extLst>
+          </p:cNvPr>
+          <p:cNvSpPr>
+            <a:spLocks noGrp="1"/>
+          </p:cNvSpPr>
+          <p:nvPr>
+            <p:ph type="body" idx="1"/>
+          </p:nvPr>
+        </p:nvSpPr>
+        <p:spPr/>
+        <p:txBody>
+          <a:bodyPr/>
+          <a:lstStyle/>
+          <a:p>
+            <a:pPr marL="412750" indent="-285750">
+              <a:buSzPts val="1600"/>
+            </a:pPr>
+            <a:r>
+              <a:rPr lang="en-US" sz="1600" dirty="0"/>
+              <a:t>What about digital humanities teaching?</a:t>
+            </a:r>
+          </a:p>
+          <a:p>
+            <a:pPr lvl="0" indent="-330200">
+              <a:buSzPts val="1600"/>
+            </a:pPr>
+            <a:r>
+              <a:rPr lang="en-US" sz="1600" dirty="0"/>
+              <a:t>What makes your classroom an explicitly DH one?</a:t>
+            </a:r>
+          </a:p>
+          <a:p>
+            <a:pPr lvl="0" indent="-330200">
+              <a:buSzPts val="1600"/>
+            </a:pPr>
+            <a:r>
+              <a:rPr lang="en-US" sz="1600" dirty="0"/>
+              <a:t>What has been something especially meaningful to you about the DH teaching you've experienced so far?</a:t>
+            </a:r>
+          </a:p>
+          <a:p>
+            <a:pPr marL="146050" indent="0">
+              <a:buNone/>
+            </a:pPr>
+            <a:endParaRPr lang="en-US" sz="1600" dirty="0"/>
+          </a:p>
+        </p:txBody>
+      </p:sp>
+    </p:spTree>
+    <p:extLst>
+      <p:ext uri="{BB962C8B-B14F-4D97-AF65-F5344CB8AC3E}">
+        <p14:creationId xmlns:p14="http://schemas.microsoft.com/office/powerpoint/2010/main" val="85729917"/>
+      </p:ext>
+    </p:extLst>
+  </p:cSld>
+  <p:clrMapOvr>
+    <a:masterClrMapping/>
+  </p:clrMapOvr>
+</p:sld>
+</file>
+
+<file path=ppt/slides/slide12.xml><?xml version="1.0" encoding="utf-8"?>
 <p:sld xmlns:a="http://schemas.openxmlformats.org/drawingml/2006/main" xmlns:r="http://schemas.openxmlformats.org/officeDocument/2006/relationships" xmlns:p="http://schemas.openxmlformats.org/presentationml/2006/main">
   <p:cSld>
     <p:spTree>
@@ -9436,7 +9498,7 @@
 </p:sld>
 </file>
 
-<file path=ppt/slides/slide12.xml><?xml version="1.0" encoding="utf-8"?>
+<file path=ppt/slides/slide13.xml><?xml version="1.0" encoding="utf-8"?>
 <p:sld xmlns:a="http://schemas.openxmlformats.org/drawingml/2006/main" xmlns:r="http://schemas.openxmlformats.org/officeDocument/2006/relationships" xmlns:p="http://schemas.openxmlformats.org/presentationml/2006/main">
   <p:cSld>
     <p:spTree>
@@ -9530,10 +9592,10 @@
               <a:buNone/>
             </a:pPr>
             <a:r>
-              <a:rPr lang="en" sz="1600"/>
+              <a:rPr lang="en" sz="1600" dirty="0"/>
               <a:t>Place your starting word in the center.</a:t>
             </a:r>
-            <a:endParaRPr sz="1600"/>
+            <a:endParaRPr sz="1600" dirty="0"/>
           </a:p>
           <a:p>
             <a:pPr marL="0" lvl="0" indent="0" algn="l" rtl="0">
@@ -9546,10 +9608,10 @@
               <a:buNone/>
             </a:pPr>
             <a:r>
-              <a:rPr lang="en" sz="1600"/>
-              <a:t>Map outwards for five minutes by connecting related words and concepts.</a:t>
+              <a:rPr lang="en" sz="1600" dirty="0"/>
+              <a:t>Map outwards for five minutes or so by connecting related words and concepts.</a:t>
             </a:r>
-            <a:endParaRPr sz="1600"/>
+            <a:endParaRPr sz="1600" dirty="0"/>
           </a:p>
           <a:p>
             <a:pPr marL="0" lvl="0" indent="0" algn="l" rtl="0">
@@ -9562,10 +9624,10 @@
               <a:buNone/>
             </a:pPr>
             <a:r>
-              <a:rPr lang="en" sz="1600"/>
+              <a:rPr lang="en" sz="1600" dirty="0"/>
               <a:t>Take five minutes to reflect on the map. What do you see? Circle several areas that seem interesting or especially important to you. How do they link together? </a:t>
             </a:r>
-            <a:endParaRPr sz="1600"/>
+            <a:endParaRPr sz="1600" dirty="0"/>
           </a:p>
           <a:p>
             <a:pPr marL="0" lvl="0" indent="0" algn="l" rtl="0">
@@ -9578,7 +9640,7 @@
               <a:buNone/>
             </a:pPr>
             <a:r>
-              <a:rPr lang="en" sz="1600"/>
+              <a:rPr lang="en" sz="1600" dirty="0"/>
               <a:t>Discuss with your neighbor for five minutes. Then discuss with the group. </a:t>
             </a:r>
           </a:p>
@@ -9592,7 +9654,7 @@
 </p:sld>
 </file>
 
-<file path=ppt/slides/slide13.xml><?xml version="1.0" encoding="utf-8"?>
+<file path=ppt/slides/slide14.xml><?xml version="1.0" encoding="utf-8"?>
 <p:sld xmlns:a="http://schemas.openxmlformats.org/drawingml/2006/main" xmlns:r="http://schemas.openxmlformats.org/officeDocument/2006/relationships" xmlns:p="http://schemas.openxmlformats.org/presentationml/2006/main">
   <p:cSld>
     <p:spTree>
@@ -9799,7 +9861,7 @@
 </p:sld>
 </file>
 
-<file path=ppt/slides/slide14.xml><?xml version="1.0" encoding="utf-8"?>
+<file path=ppt/slides/slide15.xml><?xml version="1.0" encoding="utf-8"?>
 <p:sld xmlns:a="http://schemas.openxmlformats.org/drawingml/2006/main" xmlns:r="http://schemas.openxmlformats.org/officeDocument/2006/relationships" xmlns:p="http://schemas.openxmlformats.org/presentationml/2006/main">
   <p:cSld>
     <p:spTree>

--- a/assets/mind-mapping-your-pedagogy.pptx
+++ b/assets/mind-mapping-your-pedagogy.pptx
@@ -5,7 +5,7 @@
     <p:sldMasterId id="2147483659" r:id="rId1"/>
   </p:sldMasterIdLst>
   <p:notesMasterIdLst>
-    <p:notesMasterId r:id="rId17"/>
+    <p:notesMasterId r:id="rId20"/>
   </p:notesMasterIdLst>
   <p:sldIdLst>
     <p:sldId id="256" r:id="rId2"/>
@@ -21,25 +21,28 @@
     <p:sldId id="279" r:id="rId12"/>
     <p:sldId id="278" r:id="rId13"/>
     <p:sldId id="267" r:id="rId14"/>
-    <p:sldId id="274" r:id="rId15"/>
-    <p:sldId id="276" r:id="rId16"/>
+    <p:sldId id="280" r:id="rId15"/>
+    <p:sldId id="281" r:id="rId16"/>
+    <p:sldId id="282" r:id="rId17"/>
+    <p:sldId id="274" r:id="rId18"/>
+    <p:sldId id="276" r:id="rId19"/>
   </p:sldIdLst>
   <p:sldSz cx="9144000" cy="5143500" type="screen16x9"/>
   <p:notesSz cx="6858000" cy="9144000"/>
   <p:embeddedFontLst>
     <p:embeddedFont>
       <p:font typeface="Lato" panose="020F0502020204030203" pitchFamily="34" charset="0"/>
-      <p:regular r:id="rId18"/>
-      <p:bold r:id="rId19"/>
-      <p:italic r:id="rId20"/>
-      <p:boldItalic r:id="rId21"/>
+      <p:regular r:id="rId21"/>
+      <p:bold r:id="rId22"/>
+      <p:italic r:id="rId23"/>
+      <p:boldItalic r:id="rId24"/>
     </p:embeddedFont>
     <p:embeddedFont>
       <p:font typeface="Raleway" pitchFamily="2" charset="77"/>
-      <p:regular r:id="rId22"/>
-      <p:bold r:id="rId23"/>
-      <p:italic r:id="rId24"/>
-      <p:boldItalic r:id="rId25"/>
+      <p:regular r:id="rId25"/>
+      <p:bold r:id="rId26"/>
+      <p:italic r:id="rId27"/>
+      <p:boldItalic r:id="rId28"/>
     </p:embeddedFont>
   </p:embeddedFontLst>
   <p:defaultTextStyle>
@@ -1247,6 +1250,672 @@
   <p:cSld>
     <p:spTree>
       <p:nvGrpSpPr>
+        <p:cNvPr id="1" name="Shape 150"/>
+        <p:cNvGrpSpPr/>
+        <p:nvPr/>
+      </p:nvGrpSpPr>
+      <p:grpSpPr>
+        <a:xfrm>
+          <a:off x="0" y="0"/>
+          <a:ext cx="0" cy="0"/>
+          <a:chOff x="0" y="0"/>
+          <a:chExt cx="0" cy="0"/>
+        </a:xfrm>
+      </p:grpSpPr>
+      <p:sp>
+        <p:nvSpPr>
+          <p:cNvPr id="151" name="Google Shape;151;g5b71b0f9ca_0_3971:notes"/>
+          <p:cNvSpPr>
+            <a:spLocks noGrp="1" noRot="1" noChangeAspect="1"/>
+          </p:cNvSpPr>
+          <p:nvPr>
+            <p:ph type="sldImg" idx="2"/>
+          </p:nvPr>
+        </p:nvSpPr>
+        <p:spPr>
+          <a:xfrm>
+            <a:off x="381000" y="685800"/>
+            <a:ext cx="6096000" cy="3429000"/>
+          </a:xfrm>
+          <a:custGeom>
+            <a:avLst/>
+            <a:gdLst/>
+            <a:ahLst/>
+            <a:cxnLst/>
+            <a:rect l="l" t="t" r="r" b="b"/>
+            <a:pathLst>
+              <a:path w="120000" h="120000" extrusionOk="0">
+                <a:moveTo>
+                  <a:pt x="0" y="0"/>
+                </a:moveTo>
+                <a:lnTo>
+                  <a:pt x="120000" y="0"/>
+                </a:lnTo>
+                <a:lnTo>
+                  <a:pt x="120000" y="120000"/>
+                </a:lnTo>
+                <a:lnTo>
+                  <a:pt x="0" y="120000"/>
+                </a:lnTo>
+                <a:close/>
+              </a:path>
+            </a:pathLst>
+          </a:custGeom>
+        </p:spPr>
+      </p:sp>
+      <p:sp>
+        <p:nvSpPr>
+          <p:cNvPr id="152" name="Google Shape;152;g5b71b0f9ca_0_3971:notes"/>
+          <p:cNvSpPr txBox="1">
+            <a:spLocks noGrp="1"/>
+          </p:cNvSpPr>
+          <p:nvPr>
+            <p:ph type="body" idx="1"/>
+          </p:nvPr>
+        </p:nvSpPr>
+        <p:spPr>
+          <a:xfrm>
+            <a:off x="685800" y="4343400"/>
+            <a:ext cx="5486400" cy="4114800"/>
+          </a:xfrm>
+          <a:prstGeom prst="rect">
+            <a:avLst/>
+          </a:prstGeom>
+        </p:spPr>
+        <p:txBody>
+          <a:bodyPr spcFirstLastPara="1" wrap="square" lIns="91425" tIns="91425" rIns="91425" bIns="91425" anchor="t" anchorCtr="0">
+            <a:noAutofit/>
+          </a:bodyPr>
+          <a:lstStyle/>
+          <a:p>
+            <a:pPr marL="0" lvl="0" indent="0" algn="l" rtl="0">
+              <a:spcBef>
+                <a:spcPts val="0"/>
+              </a:spcBef>
+              <a:spcAft>
+                <a:spcPts val="0"/>
+              </a:spcAft>
+              <a:buNone/>
+            </a:pPr>
+            <a:r>
+              <a:rPr lang="en"/>
+              <a:t>Then come back to the group to discuss.</a:t>
+            </a:r>
+            <a:endParaRPr/>
+          </a:p>
+          <a:p>
+            <a:pPr marL="0" lvl="0" indent="0" algn="l" rtl="0">
+              <a:spcBef>
+                <a:spcPts val="0"/>
+              </a:spcBef>
+              <a:spcAft>
+                <a:spcPts val="0"/>
+              </a:spcAft>
+              <a:buNone/>
+            </a:pPr>
+            <a:endParaRPr/>
+          </a:p>
+          <a:p>
+            <a:pPr marL="0" lvl="0" indent="0" algn="l" rtl="0">
+              <a:spcBef>
+                <a:spcPts val="0"/>
+              </a:spcBef>
+              <a:spcAft>
+                <a:spcPts val="0"/>
+              </a:spcAft>
+              <a:buNone/>
+            </a:pPr>
+            <a:r>
+              <a:rPr lang="en"/>
+              <a:t>What did they find?</a:t>
+            </a:r>
+            <a:br>
+              <a:rPr lang="en"/>
+            </a:br>
+            <a:r>
+              <a:rPr lang="en"/>
+              <a:t>Anything surprising?</a:t>
+            </a:r>
+            <a:endParaRPr/>
+          </a:p>
+          <a:p>
+            <a:pPr marL="0" lvl="0" indent="0" algn="l" rtl="0">
+              <a:spcBef>
+                <a:spcPts val="0"/>
+              </a:spcBef>
+              <a:spcAft>
+                <a:spcPts val="0"/>
+              </a:spcAft>
+              <a:buNone/>
+            </a:pPr>
+            <a:r>
+              <a:rPr lang="en"/>
+              <a:t>What did they discover?</a:t>
+            </a:r>
+            <a:endParaRPr/>
+          </a:p>
+          <a:p>
+            <a:pPr marL="0" lvl="0" indent="0" algn="l" rtl="0">
+              <a:spcBef>
+                <a:spcPts val="0"/>
+              </a:spcBef>
+              <a:spcAft>
+                <a:spcPts val="0"/>
+              </a:spcAft>
+              <a:buNone/>
+            </a:pPr>
+            <a:r>
+              <a:rPr lang="en"/>
+              <a:t>What seemed to be specific to digital humanities teaching as opposed to teaching in general?</a:t>
+            </a:r>
+            <a:br>
+              <a:rPr lang="en"/>
+            </a:br>
+            <a:r>
+              <a:rPr lang="en"/>
+              <a:t>What was difficult about the activity?</a:t>
+            </a:r>
+            <a:br>
+              <a:rPr lang="en"/>
+            </a:br>
+            <a:r>
+              <a:rPr lang="en"/>
+              <a:t>What other ways could they imagine developing a more nuanced sense of pedagogy</a:t>
+            </a:r>
+            <a:endParaRPr/>
+          </a:p>
+          <a:p>
+            <a:pPr marL="0" lvl="0" indent="0" algn="l" rtl="0">
+              <a:spcBef>
+                <a:spcPts val="0"/>
+              </a:spcBef>
+              <a:spcAft>
+                <a:spcPts val="0"/>
+              </a:spcAft>
+              <a:buNone/>
+            </a:pPr>
+            <a:r>
+              <a:rPr lang="en"/>
+              <a:t>Come back to the group and discuss for more time</a:t>
+            </a:r>
+            <a:endParaRPr/>
+          </a:p>
+          <a:p>
+            <a:pPr marL="0" lvl="0" indent="0" algn="l" rtl="0">
+              <a:spcBef>
+                <a:spcPts val="0"/>
+              </a:spcBef>
+              <a:spcAft>
+                <a:spcPts val="0"/>
+              </a:spcAft>
+              <a:buNone/>
+            </a:pPr>
+            <a:endParaRPr/>
+          </a:p>
+        </p:txBody>
+      </p:sp>
+    </p:spTree>
+    <p:extLst>
+      <p:ext uri="{BB962C8B-B14F-4D97-AF65-F5344CB8AC3E}">
+        <p14:creationId xmlns:p14="http://schemas.microsoft.com/office/powerpoint/2010/main" val="3640864933"/>
+      </p:ext>
+    </p:extLst>
+  </p:cSld>
+  <p:clrMapOvr>
+    <a:masterClrMapping/>
+  </p:clrMapOvr>
+</p:notes>
+</file>
+
+<file path=ppt/notesSlides/notesSlide14.xml><?xml version="1.0" encoding="utf-8"?>
+<p:notes xmlns:a="http://schemas.openxmlformats.org/drawingml/2006/main" xmlns:r="http://schemas.openxmlformats.org/officeDocument/2006/relationships" xmlns:p="http://schemas.openxmlformats.org/presentationml/2006/main" showMasterSp="0" showMasterPhAnim="0">
+  <p:cSld>
+    <p:spTree>
+      <p:nvGrpSpPr>
+        <p:cNvPr id="1" name="Shape 150"/>
+        <p:cNvGrpSpPr/>
+        <p:nvPr/>
+      </p:nvGrpSpPr>
+      <p:grpSpPr>
+        <a:xfrm>
+          <a:off x="0" y="0"/>
+          <a:ext cx="0" cy="0"/>
+          <a:chOff x="0" y="0"/>
+          <a:chExt cx="0" cy="0"/>
+        </a:xfrm>
+      </p:grpSpPr>
+      <p:sp>
+        <p:nvSpPr>
+          <p:cNvPr id="151" name="Google Shape;151;g5b71b0f9ca_0_3971:notes"/>
+          <p:cNvSpPr>
+            <a:spLocks noGrp="1" noRot="1" noChangeAspect="1"/>
+          </p:cNvSpPr>
+          <p:nvPr>
+            <p:ph type="sldImg" idx="2"/>
+          </p:nvPr>
+        </p:nvSpPr>
+        <p:spPr>
+          <a:xfrm>
+            <a:off x="381000" y="685800"/>
+            <a:ext cx="6096000" cy="3429000"/>
+          </a:xfrm>
+          <a:custGeom>
+            <a:avLst/>
+            <a:gdLst/>
+            <a:ahLst/>
+            <a:cxnLst/>
+            <a:rect l="l" t="t" r="r" b="b"/>
+            <a:pathLst>
+              <a:path w="120000" h="120000" extrusionOk="0">
+                <a:moveTo>
+                  <a:pt x="0" y="0"/>
+                </a:moveTo>
+                <a:lnTo>
+                  <a:pt x="120000" y="0"/>
+                </a:lnTo>
+                <a:lnTo>
+                  <a:pt x="120000" y="120000"/>
+                </a:lnTo>
+                <a:lnTo>
+                  <a:pt x="0" y="120000"/>
+                </a:lnTo>
+                <a:close/>
+              </a:path>
+            </a:pathLst>
+          </a:custGeom>
+        </p:spPr>
+      </p:sp>
+      <p:sp>
+        <p:nvSpPr>
+          <p:cNvPr id="152" name="Google Shape;152;g5b71b0f9ca_0_3971:notes"/>
+          <p:cNvSpPr txBox="1">
+            <a:spLocks noGrp="1"/>
+          </p:cNvSpPr>
+          <p:nvPr>
+            <p:ph type="body" idx="1"/>
+          </p:nvPr>
+        </p:nvSpPr>
+        <p:spPr>
+          <a:xfrm>
+            <a:off x="685800" y="4343400"/>
+            <a:ext cx="5486400" cy="4114800"/>
+          </a:xfrm>
+          <a:prstGeom prst="rect">
+            <a:avLst/>
+          </a:prstGeom>
+        </p:spPr>
+        <p:txBody>
+          <a:bodyPr spcFirstLastPara="1" wrap="square" lIns="91425" tIns="91425" rIns="91425" bIns="91425" anchor="t" anchorCtr="0">
+            <a:noAutofit/>
+          </a:bodyPr>
+          <a:lstStyle/>
+          <a:p>
+            <a:pPr marL="0" lvl="0" indent="0" algn="l" rtl="0">
+              <a:spcBef>
+                <a:spcPts val="0"/>
+              </a:spcBef>
+              <a:spcAft>
+                <a:spcPts val="0"/>
+              </a:spcAft>
+              <a:buNone/>
+            </a:pPr>
+            <a:r>
+              <a:rPr lang="en"/>
+              <a:t>Then come back to the group to discuss.</a:t>
+            </a:r>
+            <a:endParaRPr/>
+          </a:p>
+          <a:p>
+            <a:pPr marL="0" lvl="0" indent="0" algn="l" rtl="0">
+              <a:spcBef>
+                <a:spcPts val="0"/>
+              </a:spcBef>
+              <a:spcAft>
+                <a:spcPts val="0"/>
+              </a:spcAft>
+              <a:buNone/>
+            </a:pPr>
+            <a:endParaRPr/>
+          </a:p>
+          <a:p>
+            <a:pPr marL="0" lvl="0" indent="0" algn="l" rtl="0">
+              <a:spcBef>
+                <a:spcPts val="0"/>
+              </a:spcBef>
+              <a:spcAft>
+                <a:spcPts val="0"/>
+              </a:spcAft>
+              <a:buNone/>
+            </a:pPr>
+            <a:r>
+              <a:rPr lang="en"/>
+              <a:t>What did they find?</a:t>
+            </a:r>
+            <a:br>
+              <a:rPr lang="en"/>
+            </a:br>
+            <a:r>
+              <a:rPr lang="en"/>
+              <a:t>Anything surprising?</a:t>
+            </a:r>
+            <a:endParaRPr/>
+          </a:p>
+          <a:p>
+            <a:pPr marL="0" lvl="0" indent="0" algn="l" rtl="0">
+              <a:spcBef>
+                <a:spcPts val="0"/>
+              </a:spcBef>
+              <a:spcAft>
+                <a:spcPts val="0"/>
+              </a:spcAft>
+              <a:buNone/>
+            </a:pPr>
+            <a:r>
+              <a:rPr lang="en"/>
+              <a:t>What did they discover?</a:t>
+            </a:r>
+            <a:endParaRPr/>
+          </a:p>
+          <a:p>
+            <a:pPr marL="0" lvl="0" indent="0" algn="l" rtl="0">
+              <a:spcBef>
+                <a:spcPts val="0"/>
+              </a:spcBef>
+              <a:spcAft>
+                <a:spcPts val="0"/>
+              </a:spcAft>
+              <a:buNone/>
+            </a:pPr>
+            <a:r>
+              <a:rPr lang="en"/>
+              <a:t>What seemed to be specific to digital humanities teaching as opposed to teaching in general?</a:t>
+            </a:r>
+            <a:br>
+              <a:rPr lang="en"/>
+            </a:br>
+            <a:r>
+              <a:rPr lang="en"/>
+              <a:t>What was difficult about the activity?</a:t>
+            </a:r>
+            <a:br>
+              <a:rPr lang="en"/>
+            </a:br>
+            <a:r>
+              <a:rPr lang="en"/>
+              <a:t>What other ways could they imagine developing a more nuanced sense of pedagogy</a:t>
+            </a:r>
+            <a:endParaRPr/>
+          </a:p>
+          <a:p>
+            <a:pPr marL="0" lvl="0" indent="0" algn="l" rtl="0">
+              <a:spcBef>
+                <a:spcPts val="0"/>
+              </a:spcBef>
+              <a:spcAft>
+                <a:spcPts val="0"/>
+              </a:spcAft>
+              <a:buNone/>
+            </a:pPr>
+            <a:r>
+              <a:rPr lang="en"/>
+              <a:t>Come back to the group and discuss for more time</a:t>
+            </a:r>
+            <a:endParaRPr/>
+          </a:p>
+          <a:p>
+            <a:pPr marL="0" lvl="0" indent="0" algn="l" rtl="0">
+              <a:spcBef>
+                <a:spcPts val="0"/>
+              </a:spcBef>
+              <a:spcAft>
+                <a:spcPts val="0"/>
+              </a:spcAft>
+              <a:buNone/>
+            </a:pPr>
+            <a:endParaRPr/>
+          </a:p>
+        </p:txBody>
+      </p:sp>
+    </p:spTree>
+    <p:extLst>
+      <p:ext uri="{BB962C8B-B14F-4D97-AF65-F5344CB8AC3E}">
+        <p14:creationId xmlns:p14="http://schemas.microsoft.com/office/powerpoint/2010/main" val="2356948274"/>
+      </p:ext>
+    </p:extLst>
+  </p:cSld>
+  <p:clrMapOvr>
+    <a:masterClrMapping/>
+  </p:clrMapOvr>
+</p:notes>
+</file>
+
+<file path=ppt/notesSlides/notesSlide15.xml><?xml version="1.0" encoding="utf-8"?>
+<p:notes xmlns:a="http://schemas.openxmlformats.org/drawingml/2006/main" xmlns:r="http://schemas.openxmlformats.org/officeDocument/2006/relationships" xmlns:p="http://schemas.openxmlformats.org/presentationml/2006/main" showMasterSp="0" showMasterPhAnim="0">
+  <p:cSld>
+    <p:spTree>
+      <p:nvGrpSpPr>
+        <p:cNvPr id="1" name="Shape 150"/>
+        <p:cNvGrpSpPr/>
+        <p:nvPr/>
+      </p:nvGrpSpPr>
+      <p:grpSpPr>
+        <a:xfrm>
+          <a:off x="0" y="0"/>
+          <a:ext cx="0" cy="0"/>
+          <a:chOff x="0" y="0"/>
+          <a:chExt cx="0" cy="0"/>
+        </a:xfrm>
+      </p:grpSpPr>
+      <p:sp>
+        <p:nvSpPr>
+          <p:cNvPr id="151" name="Google Shape;151;g5b71b0f9ca_0_3971:notes"/>
+          <p:cNvSpPr>
+            <a:spLocks noGrp="1" noRot="1" noChangeAspect="1"/>
+          </p:cNvSpPr>
+          <p:nvPr>
+            <p:ph type="sldImg" idx="2"/>
+          </p:nvPr>
+        </p:nvSpPr>
+        <p:spPr>
+          <a:xfrm>
+            <a:off x="381000" y="685800"/>
+            <a:ext cx="6096000" cy="3429000"/>
+          </a:xfrm>
+          <a:custGeom>
+            <a:avLst/>
+            <a:gdLst/>
+            <a:ahLst/>
+            <a:cxnLst/>
+            <a:rect l="l" t="t" r="r" b="b"/>
+            <a:pathLst>
+              <a:path w="120000" h="120000" extrusionOk="0">
+                <a:moveTo>
+                  <a:pt x="0" y="0"/>
+                </a:moveTo>
+                <a:lnTo>
+                  <a:pt x="120000" y="0"/>
+                </a:lnTo>
+                <a:lnTo>
+                  <a:pt x="120000" y="120000"/>
+                </a:lnTo>
+                <a:lnTo>
+                  <a:pt x="0" y="120000"/>
+                </a:lnTo>
+                <a:close/>
+              </a:path>
+            </a:pathLst>
+          </a:custGeom>
+        </p:spPr>
+      </p:sp>
+      <p:sp>
+        <p:nvSpPr>
+          <p:cNvPr id="152" name="Google Shape;152;g5b71b0f9ca_0_3971:notes"/>
+          <p:cNvSpPr txBox="1">
+            <a:spLocks noGrp="1"/>
+          </p:cNvSpPr>
+          <p:nvPr>
+            <p:ph type="body" idx="1"/>
+          </p:nvPr>
+        </p:nvSpPr>
+        <p:spPr>
+          <a:xfrm>
+            <a:off x="685800" y="4343400"/>
+            <a:ext cx="5486400" cy="4114800"/>
+          </a:xfrm>
+          <a:prstGeom prst="rect">
+            <a:avLst/>
+          </a:prstGeom>
+        </p:spPr>
+        <p:txBody>
+          <a:bodyPr spcFirstLastPara="1" wrap="square" lIns="91425" tIns="91425" rIns="91425" bIns="91425" anchor="t" anchorCtr="0">
+            <a:noAutofit/>
+          </a:bodyPr>
+          <a:lstStyle/>
+          <a:p>
+            <a:pPr marL="0" lvl="0" indent="0" algn="l" rtl="0">
+              <a:spcBef>
+                <a:spcPts val="0"/>
+              </a:spcBef>
+              <a:spcAft>
+                <a:spcPts val="0"/>
+              </a:spcAft>
+              <a:buNone/>
+            </a:pPr>
+            <a:r>
+              <a:rPr lang="en" dirty="0"/>
+              <a:t>Then come back to the group to discuss.</a:t>
+            </a:r>
+            <a:endParaRPr dirty="0"/>
+          </a:p>
+          <a:p>
+            <a:pPr marL="0" lvl="0" indent="0" algn="l" rtl="0">
+              <a:spcBef>
+                <a:spcPts val="0"/>
+              </a:spcBef>
+              <a:spcAft>
+                <a:spcPts val="0"/>
+              </a:spcAft>
+              <a:buNone/>
+            </a:pPr>
+            <a:endParaRPr dirty="0"/>
+          </a:p>
+          <a:p>
+            <a:pPr marL="0" lvl="0" indent="0" algn="l" rtl="0">
+              <a:spcBef>
+                <a:spcPts val="0"/>
+              </a:spcBef>
+              <a:spcAft>
+                <a:spcPts val="0"/>
+              </a:spcAft>
+              <a:buNone/>
+            </a:pPr>
+            <a:r>
+              <a:rPr lang="en" dirty="0"/>
+              <a:t>What did they find?</a:t>
+            </a:r>
+            <a:br>
+              <a:rPr lang="en" dirty="0"/>
+            </a:br>
+            <a:r>
+              <a:rPr lang="en" dirty="0"/>
+              <a:t>Anything surprising?</a:t>
+            </a:r>
+            <a:endParaRPr dirty="0"/>
+          </a:p>
+          <a:p>
+            <a:pPr marL="0" lvl="0" indent="0" algn="l" rtl="0">
+              <a:spcBef>
+                <a:spcPts val="0"/>
+              </a:spcBef>
+              <a:spcAft>
+                <a:spcPts val="0"/>
+              </a:spcAft>
+              <a:buNone/>
+            </a:pPr>
+            <a:r>
+              <a:rPr lang="en" dirty="0"/>
+              <a:t>What did they discover?</a:t>
+            </a:r>
+            <a:endParaRPr dirty="0"/>
+          </a:p>
+          <a:p>
+            <a:pPr marL="0" lvl="0" indent="0" algn="l" rtl="0">
+              <a:spcBef>
+                <a:spcPts val="0"/>
+              </a:spcBef>
+              <a:spcAft>
+                <a:spcPts val="0"/>
+              </a:spcAft>
+              <a:buNone/>
+            </a:pPr>
+            <a:r>
+              <a:rPr lang="en" dirty="0"/>
+              <a:t>What seemed to be specific to digital humanities teaching as opposed to teaching in general?</a:t>
+            </a:r>
+            <a:br>
+              <a:rPr lang="en" dirty="0"/>
+            </a:br>
+            <a:r>
+              <a:rPr lang="en" dirty="0"/>
+              <a:t>What was difficult about the activity?</a:t>
+            </a:r>
+            <a:br>
+              <a:rPr lang="en" dirty="0"/>
+            </a:br>
+            <a:r>
+              <a:rPr lang="en" dirty="0"/>
+              <a:t>What other ways could they imagine developing a more nuanced sense of pedagogy</a:t>
+            </a:r>
+            <a:endParaRPr dirty="0"/>
+          </a:p>
+          <a:p>
+            <a:pPr marL="0" lvl="0" indent="0" algn="l" rtl="0">
+              <a:spcBef>
+                <a:spcPts val="0"/>
+              </a:spcBef>
+              <a:spcAft>
+                <a:spcPts val="0"/>
+              </a:spcAft>
+              <a:buNone/>
+            </a:pPr>
+            <a:r>
+              <a:rPr lang="en" dirty="0"/>
+              <a:t>Come back to the group and discuss for more time</a:t>
+            </a:r>
+            <a:endParaRPr dirty="0"/>
+          </a:p>
+          <a:p>
+            <a:pPr marL="0" lvl="0" indent="0" algn="l" rtl="0">
+              <a:spcBef>
+                <a:spcPts val="0"/>
+              </a:spcBef>
+              <a:spcAft>
+                <a:spcPts val="0"/>
+              </a:spcAft>
+              <a:buNone/>
+            </a:pPr>
+            <a:endParaRPr dirty="0"/>
+          </a:p>
+        </p:txBody>
+      </p:sp>
+    </p:spTree>
+    <p:extLst>
+      <p:ext uri="{BB962C8B-B14F-4D97-AF65-F5344CB8AC3E}">
+        <p14:creationId xmlns:p14="http://schemas.microsoft.com/office/powerpoint/2010/main" val="224891232"/>
+      </p:ext>
+    </p:extLst>
+  </p:cSld>
+  <p:clrMapOvr>
+    <a:masterClrMapping/>
+  </p:clrMapOvr>
+</p:notes>
+</file>
+
+<file path=ppt/notesSlides/notesSlide16.xml><?xml version="1.0" encoding="utf-8"?>
+<p:notes xmlns:a="http://schemas.openxmlformats.org/drawingml/2006/main" xmlns:r="http://schemas.openxmlformats.org/officeDocument/2006/relationships" xmlns:p="http://schemas.openxmlformats.org/presentationml/2006/main" showMasterSp="0" showMasterPhAnim="0">
+  <p:cSld>
+    <p:spTree>
+      <p:nvGrpSpPr>
         <p:cNvPr id="1" name="Shape 191"/>
         <p:cNvGrpSpPr/>
         <p:nvPr/>
@@ -1427,7 +2096,7 @@
 </p:notes>
 </file>
 
-<file path=ppt/notesSlides/notesSlide14.xml><?xml version="1.0" encoding="utf-8"?>
+<file path=ppt/notesSlides/notesSlide17.xml><?xml version="1.0" encoding="utf-8"?>
 <p:notes xmlns:a="http://schemas.openxmlformats.org/drawingml/2006/main" xmlns:r="http://schemas.openxmlformats.org/officeDocument/2006/relationships" xmlns:p="http://schemas.openxmlformats.org/presentationml/2006/main" showMasterSp="0" showMasterPhAnim="0">
   <p:cSld>
     <p:spTree>
@@ -9234,7 +9903,7 @@
             </a:pPr>
             <a:r>
               <a:rPr lang="en" sz="1600" dirty="0"/>
-              <a:t>Generating your starting word:</a:t>
+              <a:t>Generating your starting word: teaching/learning</a:t>
             </a:r>
           </a:p>
           <a:p>
@@ -9659,6 +10328,484 @@
   <p:cSld>
     <p:spTree>
       <p:nvGrpSpPr>
+        <p:cNvPr id="1" name="Shape 153"/>
+        <p:cNvGrpSpPr/>
+        <p:nvPr/>
+      </p:nvGrpSpPr>
+      <p:grpSpPr>
+        <a:xfrm>
+          <a:off x="0" y="0"/>
+          <a:ext cx="0" cy="0"/>
+          <a:chOff x="0" y="0"/>
+          <a:chExt cx="0" cy="0"/>
+        </a:xfrm>
+      </p:grpSpPr>
+      <p:sp>
+        <p:nvSpPr>
+          <p:cNvPr id="154" name="Google Shape;154;p24"/>
+          <p:cNvSpPr txBox="1">
+            <a:spLocks noGrp="1"/>
+          </p:cNvSpPr>
+          <p:nvPr>
+            <p:ph type="title"/>
+          </p:nvPr>
+        </p:nvSpPr>
+        <p:spPr>
+          <a:xfrm>
+            <a:off x="729450" y="1318650"/>
+            <a:ext cx="7688700" cy="535200"/>
+          </a:xfrm>
+          <a:prstGeom prst="rect">
+            <a:avLst/>
+          </a:prstGeom>
+        </p:spPr>
+        <p:txBody>
+          <a:bodyPr spcFirstLastPara="1" wrap="square" lIns="91425" tIns="91425" rIns="91425" bIns="91425" anchor="t" anchorCtr="0">
+            <a:noAutofit/>
+          </a:bodyPr>
+          <a:lstStyle/>
+          <a:p>
+            <a:pPr marL="0" lvl="0" indent="0" algn="l" rtl="0">
+              <a:spcBef>
+                <a:spcPts val="0"/>
+              </a:spcBef>
+              <a:spcAft>
+                <a:spcPts val="0"/>
+              </a:spcAft>
+              <a:buNone/>
+            </a:pPr>
+            <a:r>
+              <a:rPr lang="en" dirty="0"/>
+              <a:t>Mind Mapping Your Pedagogy Pt 2.</a:t>
+            </a:r>
+            <a:endParaRPr dirty="0"/>
+          </a:p>
+        </p:txBody>
+      </p:sp>
+      <p:sp>
+        <p:nvSpPr>
+          <p:cNvPr id="155" name="Google Shape;155;p24"/>
+          <p:cNvSpPr txBox="1">
+            <a:spLocks noGrp="1"/>
+          </p:cNvSpPr>
+          <p:nvPr>
+            <p:ph type="body" idx="1"/>
+          </p:nvPr>
+        </p:nvSpPr>
+        <p:spPr>
+          <a:xfrm>
+            <a:off x="729450" y="2078875"/>
+            <a:ext cx="7688700" cy="2261100"/>
+          </a:xfrm>
+          <a:prstGeom prst="rect">
+            <a:avLst/>
+          </a:prstGeom>
+        </p:spPr>
+        <p:txBody>
+          <a:bodyPr spcFirstLastPara="1" wrap="square" lIns="91425" tIns="91425" rIns="91425" bIns="91425" anchor="t" anchorCtr="0">
+            <a:noAutofit/>
+          </a:bodyPr>
+          <a:lstStyle/>
+          <a:p>
+            <a:pPr marL="0" lvl="0" indent="0" algn="l" rtl="0">
+              <a:spcBef>
+                <a:spcPts val="0"/>
+              </a:spcBef>
+              <a:spcAft>
+                <a:spcPts val="0"/>
+              </a:spcAft>
+              <a:buNone/>
+            </a:pPr>
+            <a:r>
+              <a:rPr lang="en" sz="1600" dirty="0"/>
+              <a:t>Place a word related to your research in the center.</a:t>
+            </a:r>
+            <a:endParaRPr sz="1600" dirty="0"/>
+          </a:p>
+          <a:p>
+            <a:pPr marL="0" lvl="0" indent="0" algn="l" rtl="0">
+              <a:spcBef>
+                <a:spcPts val="1600"/>
+              </a:spcBef>
+              <a:spcAft>
+                <a:spcPts val="0"/>
+              </a:spcAft>
+              <a:buNone/>
+            </a:pPr>
+            <a:r>
+              <a:rPr lang="en" sz="1600" dirty="0"/>
+              <a:t>Map outwards for five minutes or so by connecting related words and concepts.</a:t>
+            </a:r>
+            <a:endParaRPr sz="1600" dirty="0"/>
+          </a:p>
+          <a:p>
+            <a:pPr marL="0" lvl="0" indent="0" algn="l" rtl="0">
+              <a:spcBef>
+                <a:spcPts val="1600"/>
+              </a:spcBef>
+              <a:spcAft>
+                <a:spcPts val="0"/>
+              </a:spcAft>
+              <a:buNone/>
+            </a:pPr>
+            <a:r>
+              <a:rPr lang="en" sz="1600" dirty="0"/>
+              <a:t>Take five minutes to reflect on the map. What do you see? Circle several areas that seem interesting or especially important to you. How do they link together? </a:t>
+            </a:r>
+            <a:endParaRPr sz="1600" dirty="0"/>
+          </a:p>
+          <a:p>
+            <a:pPr marL="0" lvl="0" indent="0" algn="l" rtl="0">
+              <a:spcBef>
+                <a:spcPts val="1600"/>
+              </a:spcBef>
+              <a:spcAft>
+                <a:spcPts val="1600"/>
+              </a:spcAft>
+              <a:buNone/>
+            </a:pPr>
+            <a:r>
+              <a:rPr lang="en" sz="1600" dirty="0"/>
+              <a:t>Discuss with your neighbor for five minutes. Then discuss with the group. </a:t>
+            </a:r>
+          </a:p>
+        </p:txBody>
+      </p:sp>
+    </p:spTree>
+    <p:extLst>
+      <p:ext uri="{BB962C8B-B14F-4D97-AF65-F5344CB8AC3E}">
+        <p14:creationId xmlns:p14="http://schemas.microsoft.com/office/powerpoint/2010/main" val="1964329607"/>
+      </p:ext>
+    </p:extLst>
+  </p:cSld>
+  <p:clrMapOvr>
+    <a:masterClrMapping/>
+  </p:clrMapOvr>
+</p:sld>
+</file>
+
+<file path=ppt/slides/slide15.xml><?xml version="1.0" encoding="utf-8"?>
+<p:sld xmlns:a="http://schemas.openxmlformats.org/drawingml/2006/main" xmlns:r="http://schemas.openxmlformats.org/officeDocument/2006/relationships" xmlns:p="http://schemas.openxmlformats.org/presentationml/2006/main">
+  <p:cSld>
+    <p:spTree>
+      <p:nvGrpSpPr>
+        <p:cNvPr id="1" name="Shape 153"/>
+        <p:cNvGrpSpPr/>
+        <p:nvPr/>
+      </p:nvGrpSpPr>
+      <p:grpSpPr>
+        <a:xfrm>
+          <a:off x="0" y="0"/>
+          <a:ext cx="0" cy="0"/>
+          <a:chOff x="0" y="0"/>
+          <a:chExt cx="0" cy="0"/>
+        </a:xfrm>
+      </p:grpSpPr>
+      <p:sp>
+        <p:nvSpPr>
+          <p:cNvPr id="154" name="Google Shape;154;p24"/>
+          <p:cNvSpPr txBox="1">
+            <a:spLocks noGrp="1"/>
+          </p:cNvSpPr>
+          <p:nvPr>
+            <p:ph type="title"/>
+          </p:nvPr>
+        </p:nvSpPr>
+        <p:spPr>
+          <a:xfrm>
+            <a:off x="729450" y="1318650"/>
+            <a:ext cx="7688700" cy="535200"/>
+          </a:xfrm>
+          <a:prstGeom prst="rect">
+            <a:avLst/>
+          </a:prstGeom>
+        </p:spPr>
+        <p:txBody>
+          <a:bodyPr spcFirstLastPara="1" wrap="square" lIns="91425" tIns="91425" rIns="91425" bIns="91425" anchor="t" anchorCtr="0">
+            <a:noAutofit/>
+          </a:bodyPr>
+          <a:lstStyle/>
+          <a:p>
+            <a:pPr marL="0" lvl="0" indent="0" algn="l" rtl="0">
+              <a:spcBef>
+                <a:spcPts val="0"/>
+              </a:spcBef>
+              <a:spcAft>
+                <a:spcPts val="0"/>
+              </a:spcAft>
+              <a:buNone/>
+            </a:pPr>
+            <a:r>
+              <a:rPr lang="en" dirty="0"/>
+              <a:t>Mind Mapping Your Pedagogy Pt 3.</a:t>
+            </a:r>
+            <a:endParaRPr dirty="0"/>
+          </a:p>
+        </p:txBody>
+      </p:sp>
+      <p:sp>
+        <p:nvSpPr>
+          <p:cNvPr id="155" name="Google Shape;155;p24"/>
+          <p:cNvSpPr txBox="1">
+            <a:spLocks noGrp="1"/>
+          </p:cNvSpPr>
+          <p:nvPr>
+            <p:ph type="body" idx="1"/>
+          </p:nvPr>
+        </p:nvSpPr>
+        <p:spPr>
+          <a:xfrm>
+            <a:off x="729450" y="2078875"/>
+            <a:ext cx="7688700" cy="2261100"/>
+          </a:xfrm>
+          <a:prstGeom prst="rect">
+            <a:avLst/>
+          </a:prstGeom>
+        </p:spPr>
+        <p:txBody>
+          <a:bodyPr spcFirstLastPara="1" wrap="square" lIns="91425" tIns="91425" rIns="91425" bIns="91425" anchor="t" anchorCtr="0">
+            <a:noAutofit/>
+          </a:bodyPr>
+          <a:lstStyle/>
+          <a:p>
+            <a:pPr marL="0" lvl="0" indent="0" algn="l" rtl="0">
+              <a:spcBef>
+                <a:spcPts val="0"/>
+              </a:spcBef>
+              <a:spcAft>
+                <a:spcPts val="0"/>
+              </a:spcAft>
+              <a:buNone/>
+            </a:pPr>
+            <a:r>
+              <a:rPr lang="en" sz="1600" dirty="0"/>
+              <a:t>Place a word related to your interests in DH in the center.</a:t>
+            </a:r>
+            <a:endParaRPr sz="1600" dirty="0"/>
+          </a:p>
+          <a:p>
+            <a:pPr marL="0" lvl="0" indent="0" algn="l" rtl="0">
+              <a:spcBef>
+                <a:spcPts val="1600"/>
+              </a:spcBef>
+              <a:spcAft>
+                <a:spcPts val="0"/>
+              </a:spcAft>
+              <a:buNone/>
+            </a:pPr>
+            <a:r>
+              <a:rPr lang="en" sz="1600" dirty="0"/>
+              <a:t>Map outwards for five minutes or so by connecting related words and concepts.</a:t>
+            </a:r>
+            <a:endParaRPr sz="1600" dirty="0"/>
+          </a:p>
+          <a:p>
+            <a:pPr marL="0" lvl="0" indent="0" algn="l" rtl="0">
+              <a:spcBef>
+                <a:spcPts val="1600"/>
+              </a:spcBef>
+              <a:spcAft>
+                <a:spcPts val="0"/>
+              </a:spcAft>
+              <a:buNone/>
+            </a:pPr>
+            <a:r>
+              <a:rPr lang="en" sz="1600" dirty="0"/>
+              <a:t>Take five minutes to reflect on the map. What do you see? Circle several areas that seem interesting or especially important to you. How do they link together? </a:t>
+            </a:r>
+            <a:endParaRPr sz="1600" dirty="0"/>
+          </a:p>
+          <a:p>
+            <a:pPr marL="0" lvl="0" indent="0" algn="l" rtl="0">
+              <a:spcBef>
+                <a:spcPts val="1600"/>
+              </a:spcBef>
+              <a:spcAft>
+                <a:spcPts val="1600"/>
+              </a:spcAft>
+              <a:buNone/>
+            </a:pPr>
+            <a:r>
+              <a:rPr lang="en" sz="1600" dirty="0"/>
+              <a:t>Discuss with your neighbor for five minutes. Then discuss with the group. </a:t>
+            </a:r>
+          </a:p>
+          <a:p>
+            <a:pPr marL="0" lvl="0" indent="0" algn="l" rtl="0">
+              <a:spcBef>
+                <a:spcPts val="1600"/>
+              </a:spcBef>
+              <a:spcAft>
+                <a:spcPts val="1600"/>
+              </a:spcAft>
+              <a:buNone/>
+            </a:pPr>
+            <a:endParaRPr lang="en" sz="1600" dirty="0"/>
+          </a:p>
+          <a:p>
+            <a:pPr marL="0" lvl="0" indent="0" algn="l" rtl="0">
+              <a:spcBef>
+                <a:spcPts val="1600"/>
+              </a:spcBef>
+              <a:spcAft>
+                <a:spcPts val="1600"/>
+              </a:spcAft>
+              <a:buNone/>
+            </a:pPr>
+            <a:endParaRPr lang="en" sz="1600" dirty="0"/>
+          </a:p>
+        </p:txBody>
+      </p:sp>
+    </p:spTree>
+    <p:extLst>
+      <p:ext uri="{BB962C8B-B14F-4D97-AF65-F5344CB8AC3E}">
+        <p14:creationId xmlns:p14="http://schemas.microsoft.com/office/powerpoint/2010/main" val="1532659848"/>
+      </p:ext>
+    </p:extLst>
+  </p:cSld>
+  <p:clrMapOvr>
+    <a:masterClrMapping/>
+  </p:clrMapOvr>
+</p:sld>
+</file>
+
+<file path=ppt/slides/slide16.xml><?xml version="1.0" encoding="utf-8"?>
+<p:sld xmlns:a="http://schemas.openxmlformats.org/drawingml/2006/main" xmlns:r="http://schemas.openxmlformats.org/officeDocument/2006/relationships" xmlns:p="http://schemas.openxmlformats.org/presentationml/2006/main">
+  <p:cSld>
+    <p:spTree>
+      <p:nvGrpSpPr>
+        <p:cNvPr id="1" name="Shape 153"/>
+        <p:cNvGrpSpPr/>
+        <p:nvPr/>
+      </p:nvGrpSpPr>
+      <p:grpSpPr>
+        <a:xfrm>
+          <a:off x="0" y="0"/>
+          <a:ext cx="0" cy="0"/>
+          <a:chOff x="0" y="0"/>
+          <a:chExt cx="0" cy="0"/>
+        </a:xfrm>
+      </p:grpSpPr>
+      <p:sp>
+        <p:nvSpPr>
+          <p:cNvPr id="154" name="Google Shape;154;p24"/>
+          <p:cNvSpPr txBox="1">
+            <a:spLocks noGrp="1"/>
+          </p:cNvSpPr>
+          <p:nvPr>
+            <p:ph type="title"/>
+          </p:nvPr>
+        </p:nvSpPr>
+        <p:spPr>
+          <a:xfrm>
+            <a:off x="729450" y="1318650"/>
+            <a:ext cx="7688700" cy="535200"/>
+          </a:xfrm>
+          <a:prstGeom prst="rect">
+            <a:avLst/>
+          </a:prstGeom>
+        </p:spPr>
+        <p:txBody>
+          <a:bodyPr spcFirstLastPara="1" wrap="square" lIns="91425" tIns="91425" rIns="91425" bIns="91425" anchor="t" anchorCtr="0">
+            <a:noAutofit/>
+          </a:bodyPr>
+          <a:lstStyle/>
+          <a:p>
+            <a:pPr marL="0" lvl="0" indent="0" algn="l" rtl="0">
+              <a:spcBef>
+                <a:spcPts val="0"/>
+              </a:spcBef>
+              <a:spcAft>
+                <a:spcPts val="0"/>
+              </a:spcAft>
+              <a:buNone/>
+            </a:pPr>
+            <a:r>
+              <a:rPr lang="en" dirty="0"/>
+              <a:t>Mind Mapping Your Pedagogy Pt 4.</a:t>
+            </a:r>
+            <a:endParaRPr dirty="0"/>
+          </a:p>
+        </p:txBody>
+      </p:sp>
+      <p:sp>
+        <p:nvSpPr>
+          <p:cNvPr id="155" name="Google Shape;155;p24"/>
+          <p:cNvSpPr txBox="1">
+            <a:spLocks noGrp="1"/>
+          </p:cNvSpPr>
+          <p:nvPr>
+            <p:ph type="body" idx="1"/>
+          </p:nvPr>
+        </p:nvSpPr>
+        <p:spPr>
+          <a:xfrm>
+            <a:off x="729450" y="2078875"/>
+            <a:ext cx="7688700" cy="2261100"/>
+          </a:xfrm>
+          <a:prstGeom prst="rect">
+            <a:avLst/>
+          </a:prstGeom>
+        </p:spPr>
+        <p:txBody>
+          <a:bodyPr spcFirstLastPara="1" wrap="square" lIns="91425" tIns="91425" rIns="91425" bIns="91425" anchor="t" anchorCtr="0">
+            <a:noAutofit/>
+          </a:bodyPr>
+          <a:lstStyle/>
+          <a:p>
+            <a:pPr marL="0" lvl="0" indent="0" algn="l" rtl="0">
+              <a:spcBef>
+                <a:spcPts val="0"/>
+              </a:spcBef>
+              <a:spcAft>
+                <a:spcPts val="0"/>
+              </a:spcAft>
+              <a:buNone/>
+            </a:pPr>
+            <a:r>
+              <a:rPr lang="en-US" sz="1600" dirty="0"/>
+              <a:t>What overlaps do you see among the various maps?</a:t>
+            </a:r>
+            <a:br>
+              <a:rPr lang="en-US" sz="1600" dirty="0"/>
+            </a:br>
+            <a:r>
+              <a:rPr lang="en-US" sz="1600" dirty="0"/>
+              <a:t>What things from the readings or Digital Pedagogy in the Humanities were provocative?</a:t>
+            </a:r>
+            <a:br>
+              <a:rPr lang="en-US" sz="1600" dirty="0"/>
+            </a:br>
+            <a:r>
+              <a:rPr lang="en-US" sz="1600" dirty="0"/>
+              <a:t>What ideas do you have for workshops based on this? </a:t>
+            </a:r>
+            <a:r>
+              <a:rPr lang="en-US" sz="1600"/>
+              <a:t>Broad methods or topics?</a:t>
+            </a:r>
+            <a:endParaRPr lang="en" sz="1600" dirty="0"/>
+          </a:p>
+        </p:txBody>
+      </p:sp>
+    </p:spTree>
+    <p:extLst>
+      <p:ext uri="{BB962C8B-B14F-4D97-AF65-F5344CB8AC3E}">
+        <p14:creationId xmlns:p14="http://schemas.microsoft.com/office/powerpoint/2010/main" val="1210387118"/>
+      </p:ext>
+    </p:extLst>
+  </p:cSld>
+  <p:clrMapOvr>
+    <a:masterClrMapping/>
+  </p:clrMapOvr>
+</p:sld>
+</file>
+
+<file path=ppt/slides/slide17.xml><?xml version="1.0" encoding="utf-8"?>
+<p:sld xmlns:a="http://schemas.openxmlformats.org/drawingml/2006/main" xmlns:r="http://schemas.openxmlformats.org/officeDocument/2006/relationships" xmlns:p="http://schemas.openxmlformats.org/presentationml/2006/main">
+  <p:cSld>
+    <p:spTree>
+      <p:nvGrpSpPr>
         <p:cNvPr id="1" name="Shape 194"/>
         <p:cNvGrpSpPr/>
         <p:nvPr/>
@@ -9861,7 +11008,7 @@
 </p:sld>
 </file>
 
-<file path=ppt/slides/slide15.xml><?xml version="1.0" encoding="utf-8"?>
+<file path=ppt/slides/slide18.xml><?xml version="1.0" encoding="utf-8"?>
 <p:sld xmlns:a="http://schemas.openxmlformats.org/drawingml/2006/main" xmlns:r="http://schemas.openxmlformats.org/officeDocument/2006/relationships" xmlns:p="http://schemas.openxmlformats.org/presentationml/2006/main">
   <p:cSld>
     <p:spTree>
@@ -11066,10 +12213,10 @@
               <a:buChar char="●"/>
             </a:pPr>
             <a:r>
-              <a:rPr lang="en" sz="1600"/>
+              <a:rPr lang="en" sz="1600" dirty="0"/>
               <a:t>There should be a reason for everything you do in the classroom.</a:t>
             </a:r>
-            <a:endParaRPr sz="1600"/>
+            <a:endParaRPr sz="1600" dirty="0"/>
           </a:p>
           <a:p>
             <a:pPr marL="457200" lvl="0" indent="-330200" algn="l" rtl="0">
@@ -11083,10 +12230,10 @@
               <a:buChar char="●"/>
             </a:pPr>
             <a:r>
-              <a:rPr lang="en" sz="1600"/>
+              <a:rPr lang="en" sz="1600" dirty="0"/>
               <a:t>Some of those reasons might be instinct. </a:t>
             </a:r>
-            <a:endParaRPr sz="1600"/>
+            <a:endParaRPr sz="1600" dirty="0"/>
           </a:p>
           <a:p>
             <a:pPr marL="457200" lvl="0" indent="-330200" algn="l" rtl="0">
@@ -11100,10 +12247,10 @@
               <a:buChar char="●"/>
             </a:pPr>
             <a:r>
-              <a:rPr lang="en" sz="1600"/>
+              <a:rPr lang="en" sz="1600" dirty="0"/>
               <a:t>Mind mapping can help you realize what you care about.</a:t>
             </a:r>
-            <a:endParaRPr sz="1600"/>
+            <a:endParaRPr sz="1600" dirty="0"/>
           </a:p>
           <a:p>
             <a:pPr marL="457200" lvl="0" indent="-330200" algn="l" rtl="0">
@@ -11117,10 +12264,10 @@
               <a:buChar char="●"/>
             </a:pPr>
             <a:r>
-              <a:rPr lang="en" sz="1600"/>
-              <a:t>Goal is to surface the details of your class, abstract and concrete.</a:t>
-            </a:r>
-            <a:endParaRPr sz="1600"/>
+              <a:rPr lang="en" sz="1600" dirty="0"/>
+              <a:t>Goal is to surface the details of your teaching, abstract and concrete.</a:t>
+            </a:r>
+            <a:endParaRPr sz="1600" dirty="0"/>
           </a:p>
           <a:p>
             <a:pPr marL="457200" lvl="0" indent="-330200" algn="l" rtl="0">
@@ -11134,10 +12281,10 @@
               <a:buChar char="●"/>
             </a:pPr>
             <a:r>
-              <a:rPr lang="en" sz="1600"/>
+              <a:rPr lang="en" sz="1600" dirty="0"/>
               <a:t>Then circle things that are especially important to you.</a:t>
             </a:r>
-            <a:endParaRPr sz="1600"/>
+            <a:endParaRPr sz="1600" dirty="0"/>
           </a:p>
         </p:txBody>
       </p:sp>
